--- a/Массивы/Введение в JavaScript.pptx
+++ b/Массивы/Введение в JavaScript.pptx
@@ -306,7 +306,7 @@
           <a:p>
             <a:fld id="{DCD679CF-024D-49E6-B16F-A854934E4A04}" type="datetimeFigureOut">
               <a:rPr lang="ru-RU" smtClean="0"/>
-              <a:t>01.04.2021</a:t>
+              <a:t>28.04.2021</a:t>
             </a:fld>
             <a:endParaRPr lang="ru-RU"/>
           </a:p>
@@ -581,7 +581,7 @@
           <a:p>
             <a:fld id="{DCD679CF-024D-49E6-B16F-A854934E4A04}" type="datetimeFigureOut">
               <a:rPr lang="ru-RU" smtClean="0"/>
-              <a:t>01.04.2021</a:t>
+              <a:t>28.04.2021</a:t>
             </a:fld>
             <a:endParaRPr lang="ru-RU"/>
           </a:p>
@@ -775,7 +775,7 @@
           <a:p>
             <a:fld id="{DCD679CF-024D-49E6-B16F-A854934E4A04}" type="datetimeFigureOut">
               <a:rPr lang="ru-RU" smtClean="0"/>
-              <a:t>01.04.2021</a:t>
+              <a:t>28.04.2021</a:t>
             </a:fld>
             <a:endParaRPr lang="ru-RU"/>
           </a:p>
@@ -1048,7 +1048,7 @@
           <a:p>
             <a:fld id="{DCD679CF-024D-49E6-B16F-A854934E4A04}" type="datetimeFigureOut">
               <a:rPr lang="ru-RU" smtClean="0"/>
-              <a:t>01.04.2021</a:t>
+              <a:t>28.04.2021</a:t>
             </a:fld>
             <a:endParaRPr lang="ru-RU"/>
           </a:p>
@@ -1389,7 +1389,7 @@
           <a:p>
             <a:fld id="{DCD679CF-024D-49E6-B16F-A854934E4A04}" type="datetimeFigureOut">
               <a:rPr lang="ru-RU" smtClean="0"/>
-              <a:t>01.04.2021</a:t>
+              <a:t>28.04.2021</a:t>
             </a:fld>
             <a:endParaRPr lang="ru-RU"/>
           </a:p>
@@ -2012,7 +2012,7 @@
           <a:p>
             <a:fld id="{DCD679CF-024D-49E6-B16F-A854934E4A04}" type="datetimeFigureOut">
               <a:rPr lang="ru-RU" smtClean="0"/>
-              <a:t>01.04.2021</a:t>
+              <a:t>28.04.2021</a:t>
             </a:fld>
             <a:endParaRPr lang="ru-RU"/>
           </a:p>
@@ -2872,7 +2872,7 @@
           <a:p>
             <a:fld id="{DCD679CF-024D-49E6-B16F-A854934E4A04}" type="datetimeFigureOut">
               <a:rPr lang="ru-RU" smtClean="0"/>
-              <a:t>01.04.2021</a:t>
+              <a:t>28.04.2021</a:t>
             </a:fld>
             <a:endParaRPr lang="ru-RU"/>
           </a:p>
@@ -3042,7 +3042,7 @@
           <a:p>
             <a:fld id="{DCD679CF-024D-49E6-B16F-A854934E4A04}" type="datetimeFigureOut">
               <a:rPr lang="ru-RU" smtClean="0"/>
-              <a:t>01.04.2021</a:t>
+              <a:t>28.04.2021</a:t>
             </a:fld>
             <a:endParaRPr lang="ru-RU"/>
           </a:p>
@@ -3222,7 +3222,7 @@
           <a:p>
             <a:fld id="{DCD679CF-024D-49E6-B16F-A854934E4A04}" type="datetimeFigureOut">
               <a:rPr lang="ru-RU" smtClean="0"/>
-              <a:t>01.04.2021</a:t>
+              <a:t>28.04.2021</a:t>
             </a:fld>
             <a:endParaRPr lang="ru-RU"/>
           </a:p>
@@ -3392,7 +3392,7 @@
           <a:p>
             <a:fld id="{DCD679CF-024D-49E6-B16F-A854934E4A04}" type="datetimeFigureOut">
               <a:rPr lang="ru-RU" smtClean="0"/>
-              <a:t>01.04.2021</a:t>
+              <a:t>28.04.2021</a:t>
             </a:fld>
             <a:endParaRPr lang="ru-RU"/>
           </a:p>
@@ -3639,7 +3639,7 @@
           <a:p>
             <a:fld id="{DCD679CF-024D-49E6-B16F-A854934E4A04}" type="datetimeFigureOut">
               <a:rPr lang="ru-RU" smtClean="0"/>
-              <a:t>01.04.2021</a:t>
+              <a:t>28.04.2021</a:t>
             </a:fld>
             <a:endParaRPr lang="ru-RU"/>
           </a:p>
@@ -3931,7 +3931,7 @@
           <a:p>
             <a:fld id="{DCD679CF-024D-49E6-B16F-A854934E4A04}" type="datetimeFigureOut">
               <a:rPr lang="ru-RU" smtClean="0"/>
-              <a:t>01.04.2021</a:t>
+              <a:t>28.04.2021</a:t>
             </a:fld>
             <a:endParaRPr lang="ru-RU"/>
           </a:p>
@@ -4375,7 +4375,7 @@
           <a:p>
             <a:fld id="{DCD679CF-024D-49E6-B16F-A854934E4A04}" type="datetimeFigureOut">
               <a:rPr lang="ru-RU" smtClean="0"/>
-              <a:t>01.04.2021</a:t>
+              <a:t>28.04.2021</a:t>
             </a:fld>
             <a:endParaRPr lang="ru-RU"/>
           </a:p>
@@ -4493,7 +4493,7 @@
           <a:p>
             <a:fld id="{DCD679CF-024D-49E6-B16F-A854934E4A04}" type="datetimeFigureOut">
               <a:rPr lang="ru-RU" smtClean="0"/>
-              <a:t>01.04.2021</a:t>
+              <a:t>28.04.2021</a:t>
             </a:fld>
             <a:endParaRPr lang="ru-RU"/>
           </a:p>
@@ -4588,7 +4588,7 @@
           <a:p>
             <a:fld id="{DCD679CF-024D-49E6-B16F-A854934E4A04}" type="datetimeFigureOut">
               <a:rPr lang="ru-RU" smtClean="0"/>
-              <a:t>01.04.2021</a:t>
+              <a:t>28.04.2021</a:t>
             </a:fld>
             <a:endParaRPr lang="ru-RU"/>
           </a:p>
@@ -4867,7 +4867,7 @@
           <a:p>
             <a:fld id="{DCD679CF-024D-49E6-B16F-A854934E4A04}" type="datetimeFigureOut">
               <a:rPr lang="ru-RU" smtClean="0"/>
-              <a:t>01.04.2021</a:t>
+              <a:t>28.04.2021</a:t>
             </a:fld>
             <a:endParaRPr lang="ru-RU"/>
           </a:p>
@@ -5142,7 +5142,7 @@
           <a:p>
             <a:fld id="{DCD679CF-024D-49E6-B16F-A854934E4A04}" type="datetimeFigureOut">
               <a:rPr lang="ru-RU" smtClean="0"/>
-              <a:t>01.04.2021</a:t>
+              <a:t>28.04.2021</a:t>
             </a:fld>
             <a:endParaRPr lang="ru-RU"/>
           </a:p>
@@ -5571,7 +5571,7 @@
           <a:p>
             <a:fld id="{DCD679CF-024D-49E6-B16F-A854934E4A04}" type="datetimeFigureOut">
               <a:rPr lang="ru-RU" smtClean="0"/>
-              <a:t>01.04.2021</a:t>
+              <a:t>28.04.2021</a:t>
             </a:fld>
             <a:endParaRPr lang="ru-RU"/>
           </a:p>
@@ -6139,7 +6139,7 @@
           <a:p>
             <a:r>
               <a:rPr lang="ru-RU" dirty="0" smtClean="0"/>
-              <a:t>ВВЕДЕНИЕ В РАБОТУ, Операторы и типы данных</a:t>
+              <a:t>Работа с массивами</a:t>
             </a:r>
             <a:endParaRPr lang="ru-RU" dirty="0"/>
           </a:p>
@@ -6199,11 +6199,7 @@
           <a:p>
             <a:r>
               <a:rPr lang="ru-RU" dirty="0" smtClean="0"/>
-              <a:t>ВВЕДЕНИЕ В ЯЗЫК </a:t>
-            </a:r>
-            <a:r>
-              <a:rPr lang="en-US" dirty="0" smtClean="0"/>
-              <a:t>JAVASCRIPT</a:t>
+              <a:t>Что такое массив?</a:t>
             </a:r>
             <a:endParaRPr lang="ru-RU" dirty="0"/>
           </a:p>
@@ -6228,20 +6224,8 @@
               <a:buNone/>
             </a:pPr>
             <a:r>
-              <a:rPr lang="en-US" dirty="0" smtClean="0"/>
-              <a:t>JavaScript – </a:t>
-            </a:r>
-            <a:r>
               <a:rPr lang="ru-RU" dirty="0" smtClean="0"/>
-              <a:t>один из самых популярных </a:t>
-            </a:r>
-            <a:r>
-              <a:rPr lang="en-US" dirty="0" smtClean="0"/>
-              <a:t>WEB</a:t>
-            </a:r>
-            <a:r>
-              <a:rPr lang="ru-RU" dirty="0" smtClean="0"/>
-              <a:t>-языков для программирования сайтов. Позволяет получать доступ к объектам сайта и управлять ими «вживую» – на стороне клиента</a:t>
+              <a:t>Массив – упорядоченный набор элементов. Каждый элемент из набора имеет определённый номер, через который можно получить доступ к значению этого элемента.</a:t>
             </a:r>
             <a:endParaRPr lang="ru-RU" dirty="0"/>
           </a:p>
@@ -6330,11 +6314,7 @@
           <a:p>
             <a:r>
               <a:rPr lang="ru-RU" dirty="0" smtClean="0"/>
-              <a:t>Начало работы с </a:t>
-            </a:r>
-            <a:r>
-              <a:rPr lang="en-US" dirty="0" smtClean="0"/>
-              <a:t>JavaScript</a:t>
+              <a:t>Структура массива</a:t>
             </a:r>
             <a:endParaRPr lang="ru-RU" dirty="0"/>
           </a:p>
@@ -6369,82 +6349,84 @@
             </a:pPr>
             <a:r>
               <a:rPr lang="ru-RU" sz="1600" dirty="0" smtClean="0"/>
-              <a:t>Наиболее популярным способом подключения </a:t>
-            </a:r>
-            <a:r>
-              <a:rPr lang="en-US" sz="1600" dirty="0" smtClean="0"/>
-              <a:t>JavaScript </a:t>
-            </a:r>
+              <a:t>Любой массив имеет:</a:t>
+            </a:r>
+          </a:p>
+          <a:p>
+            <a:pPr marL="342900" indent="-342900">
+              <a:lnSpc>
+                <a:spcPct val="150000"/>
+              </a:lnSpc>
+              <a:buAutoNum type="arabicParenR"/>
+            </a:pPr>
             <a:r>
               <a:rPr lang="ru-RU" sz="1600" dirty="0" smtClean="0"/>
-              <a:t>к проекту является вывод его в отдельный файл. По тому же принципу</a:t>
-            </a:r>
-            <a:r>
-              <a:rPr lang="en-US" sz="1600" dirty="0" smtClean="0"/>
-              <a:t>, </a:t>
-            </a:r>
+              <a:t>Порядковый номер элемента (индекс)</a:t>
+            </a:r>
+          </a:p>
+          <a:p>
+            <a:pPr marL="342900" indent="-342900">
+              <a:lnSpc>
+                <a:spcPct val="150000"/>
+              </a:lnSpc>
+              <a:buAutoNum type="arabicParenR"/>
+            </a:pPr>
             <a:r>
               <a:rPr lang="ru-RU" sz="1600" dirty="0" smtClean="0"/>
-              <a:t>что и обращение к файлам стилей. Для обращение к коду на языке </a:t>
-            </a:r>
-            <a:r>
-              <a:rPr lang="en-US" sz="1600" dirty="0" smtClean="0"/>
-              <a:t>JS </a:t>
-            </a:r>
+              <a:t>Наименование</a:t>
+            </a:r>
+          </a:p>
+          <a:p>
+            <a:pPr marL="342900" indent="-342900">
+              <a:lnSpc>
+                <a:spcPct val="150000"/>
+              </a:lnSpc>
+              <a:buAutoNum type="arabicParenR"/>
+            </a:pPr>
             <a:r>
               <a:rPr lang="ru-RU" sz="1600" dirty="0" smtClean="0"/>
-              <a:t>необходимо создать файл с расширением </a:t>
-            </a:r>
-            <a:r>
-              <a:rPr lang="en-US" sz="1600" dirty="0" smtClean="0"/>
-              <a:t>JS</a:t>
-            </a:r>
+              <a:t>Адрес для обращения к элементу</a:t>
+            </a:r>
+          </a:p>
+          <a:p>
+            <a:pPr marL="342900" indent="-342900">
+              <a:lnSpc>
+                <a:spcPct val="150000"/>
+              </a:lnSpc>
+              <a:buAutoNum type="arabicParenR"/>
+            </a:pPr>
             <a:r>
               <a:rPr lang="ru-RU" sz="1600" dirty="0" smtClean="0"/>
-              <a:t>, в </a:t>
-            </a:r>
-            <a:r>
-              <a:rPr lang="en-US" sz="1600" dirty="0" smtClean="0"/>
-              <a:t>html </a:t>
-            </a:r>
-            <a:r>
-              <a:rPr lang="ru-RU" sz="1600" dirty="0" smtClean="0"/>
-              <a:t>файле задать обращение к нему. </a:t>
-            </a:r>
-            <a:r>
-              <a:rPr lang="en-US" sz="1600" dirty="0" smtClean="0"/>
-              <a:t>JS </a:t>
-            </a:r>
-            <a:r>
-              <a:rPr lang="ru-RU" sz="1600" dirty="0" smtClean="0"/>
-              <a:t>код будет исполнен в файле </a:t>
-            </a:r>
-            <a:r>
-              <a:rPr lang="en-US" sz="1600" dirty="0" smtClean="0"/>
-              <a:t>HTML</a:t>
-            </a:r>
-            <a:endParaRPr lang="ru-RU" sz="1600" dirty="0"/>
+              <a:t>Значение, получаемое при обращении по адресу</a:t>
+            </a:r>
+            <a:endParaRPr lang="ru-RU" sz="1600" dirty="0" smtClean="0"/>
           </a:p>
         </p:txBody>
       </p:sp>
       <p:pic>
         <p:nvPicPr>
-          <p:cNvPr id="6" name="Рисунок 5"/>
+          <p:cNvPr id="3" name="Рисунок 2"/>
           <p:cNvPicPr>
             <a:picLocks noChangeAspect="1"/>
           </p:cNvPicPr>
           <p:nvPr/>
         </p:nvPicPr>
         <p:blipFill>
-          <a:blip r:embed="rId2"/>
+          <a:blip r:embed="rId2">
+            <a:extLst>
+              <a:ext uri="{28A0092B-C50C-407E-A947-70E740481C1C}">
+                <a14:useLocalDpi xmlns:a14="http://schemas.microsoft.com/office/drawing/2010/main" val="0"/>
+              </a:ext>
+            </a:extLst>
+          </a:blip>
           <a:stretch>
             <a:fillRect/>
           </a:stretch>
         </p:blipFill>
         <p:spPr>
           <a:xfrm>
-            <a:off x="7645520" y="1824178"/>
-            <a:ext cx="3352381" cy="3266667"/>
+            <a:off x="6603023" y="1925515"/>
+            <a:ext cx="5240216" cy="3930162"/>
           </a:xfrm>
           <a:prstGeom prst="rect">
             <a:avLst/>
@@ -6501,7 +6483,7 @@
         <p:spPr>
           <a:xfrm>
             <a:off x="1154954" y="939792"/>
-            <a:ext cx="5092906" cy="1574808"/>
+            <a:ext cx="5870100" cy="1574808"/>
           </a:xfrm>
         </p:spPr>
         <p:txBody>
@@ -6510,7 +6492,7 @@
           <a:p>
             <a:r>
               <a:rPr lang="ru-RU" dirty="0" smtClean="0"/>
-              <a:t>Типы данных в </a:t>
+              <a:t>Объявление массива в </a:t>
             </a:r>
             <a:r>
               <a:rPr lang="en-US" dirty="0" smtClean="0"/>
@@ -6533,84 +6515,55 @@
         <p:spPr>
           <a:xfrm>
             <a:off x="1154954" y="2743200"/>
-            <a:ext cx="5084979" cy="2347645"/>
-          </a:xfrm>
-        </p:spPr>
-        <p:txBody>
-          <a:bodyPr/>
-          <a:lstStyle/>
-          <a:p>
-            <a:pPr marL="285750" indent="-285750">
-              <a:buFont typeface="Arial" panose="020B0604020202020204" pitchFamily="34" charset="0"/>
-              <a:buChar char="•"/>
+            <a:ext cx="5084979" cy="3385038"/>
+          </a:xfrm>
+        </p:spPr>
+        <p:txBody>
+          <a:bodyPr>
+            <a:normAutofit/>
+          </a:bodyPr>
+          <a:lstStyle/>
+          <a:p>
+            <a:pPr>
+              <a:lnSpc>
+                <a:spcPct val="150000"/>
+              </a:lnSpc>
             </a:pPr>
             <a:r>
               <a:rPr lang="ru-RU" dirty="0" smtClean="0"/>
-              <a:t>Число</a:t>
-            </a:r>
-          </a:p>
-          <a:p>
-            <a:pPr marL="285750" indent="-285750">
-              <a:buFont typeface="Arial" panose="020B0604020202020204" pitchFamily="34" charset="0"/>
-              <a:buChar char="•"/>
+              <a:t>	Как и любая структура данных в языке </a:t>
+            </a:r>
+            <a:r>
+              <a:rPr lang="en-US" dirty="0" smtClean="0"/>
+              <a:t>JS</a:t>
+            </a:r>
+            <a:r>
+              <a:rPr lang="ru-RU" dirty="0" smtClean="0"/>
+              <a:t>, массив хранится в переменной</a:t>
+            </a:r>
+            <a:r>
+              <a:rPr lang="en-US" dirty="0" smtClean="0"/>
+              <a:t>. </a:t>
+            </a:r>
+            <a:r>
+              <a:rPr lang="ru-RU" dirty="0" smtClean="0"/>
+              <a:t>На практике чаще всего приходится создавать пустые массивы для дальнейшей их обработки. </a:t>
+            </a:r>
+          </a:p>
+          <a:p>
+            <a:pPr>
+              <a:lnSpc>
+                <a:spcPct val="150000"/>
+              </a:lnSpc>
             </a:pPr>
             <a:r>
+              <a:rPr lang="ru-RU" dirty="0"/>
+              <a:t>	</a:t>
+            </a:r>
+            <a:r>
               <a:rPr lang="ru-RU" dirty="0" smtClean="0"/>
-              <a:t>Строка</a:t>
-            </a:r>
-          </a:p>
-          <a:p>
-            <a:pPr marL="285750" indent="-285750">
-              <a:buFont typeface="Arial" panose="020B0604020202020204" pitchFamily="34" charset="0"/>
-              <a:buChar char="•"/>
-            </a:pPr>
-            <a:r>
-              <a:rPr lang="ru-RU" dirty="0" smtClean="0"/>
-              <a:t>Символ</a:t>
-            </a:r>
-          </a:p>
-          <a:p>
-            <a:pPr marL="285750" indent="-285750">
-              <a:buFont typeface="Arial" panose="020B0604020202020204" pitchFamily="34" charset="0"/>
-              <a:buChar char="•"/>
-            </a:pPr>
-            <a:r>
-              <a:rPr lang="ru-RU" dirty="0" smtClean="0"/>
-              <a:t>Неопределённый тип данных</a:t>
-            </a:r>
-            <a:endParaRPr lang="ru-RU" dirty="0" smtClean="0"/>
-          </a:p>
-          <a:p>
-            <a:pPr marL="285750" indent="-285750">
-              <a:buFont typeface="Arial" panose="020B0604020202020204" pitchFamily="34" charset="0"/>
-              <a:buChar char="•"/>
-            </a:pPr>
-            <a:r>
-              <a:rPr lang="ru-RU" dirty="0" smtClean="0"/>
-              <a:t>Логический тип данных</a:t>
-            </a:r>
-          </a:p>
-          <a:p>
-            <a:pPr marL="285750" indent="-285750">
-              <a:buFont typeface="Arial" panose="020B0604020202020204" pitchFamily="34" charset="0"/>
-              <a:buChar char="•"/>
-            </a:pPr>
-            <a:r>
-              <a:rPr lang="ru-RU" dirty="0" smtClean="0"/>
-              <a:t>Пустой элемент</a:t>
-            </a:r>
-          </a:p>
-          <a:p>
-            <a:pPr marL="285750" indent="-285750">
-              <a:buFont typeface="Arial" panose="020B0604020202020204" pitchFamily="34" charset="0"/>
-              <a:buChar char="•"/>
-            </a:pPr>
-            <a:r>
-              <a:rPr lang="ru-RU" dirty="0" smtClean="0"/>
-              <a:t>Объект</a:t>
-            </a:r>
-          </a:p>
-          <a:p>
+              <a:t>Для создания пустого массива необходимо создать переменную и присвоить ей пустые квадратные скобки. Если необходимо, чтобы массив был с элементами, определёнными заранее, можно записать элементы через запятую</a:t>
+            </a:r>
             <a:endParaRPr lang="ru-RU" dirty="0" smtClean="0"/>
           </a:p>
           <a:p>
@@ -6623,7 +6576,7 @@
       </p:sp>
       <p:pic>
         <p:nvPicPr>
-          <p:cNvPr id="6" name="Рисунок 5"/>
+          <p:cNvPr id="5" name="Рисунок 4"/>
           <p:cNvPicPr>
             <a:picLocks noChangeAspect="1"/>
           </p:cNvPicPr>
@@ -6637,8 +6590,8 @@
         </p:blipFill>
         <p:spPr>
           <a:xfrm>
-            <a:off x="7645520" y="1824178"/>
-            <a:ext cx="3352381" cy="3266667"/>
+            <a:off x="6648408" y="2514600"/>
+            <a:ext cx="5190476" cy="2314286"/>
           </a:xfrm>
           <a:prstGeom prst="rect">
             <a:avLst/>
@@ -6700,17 +6653,13 @@
         </p:spPr>
         <p:txBody>
           <a:bodyPr>
-            <a:normAutofit fontScale="90000"/>
+            <a:normAutofit/>
           </a:bodyPr>
           <a:lstStyle/>
           <a:p>
             <a:r>
               <a:rPr lang="ru-RU" dirty="0" smtClean="0"/>
-              <a:t>Объявление переменных в </a:t>
-            </a:r>
-            <a:r>
-              <a:rPr lang="en-US" dirty="0" smtClean="0"/>
-              <a:t>JavaScript</a:t>
+              <a:t>Многомерные массивы</a:t>
             </a:r>
             <a:endParaRPr lang="ru-RU" dirty="0"/>
           </a:p>
@@ -6729,12 +6678,12 @@
         <p:spPr>
           <a:xfrm>
             <a:off x="1162881" y="2523392"/>
-            <a:ext cx="5084979" cy="2892669"/>
+            <a:ext cx="5084979" cy="3789485"/>
           </a:xfrm>
         </p:spPr>
         <p:txBody>
           <a:bodyPr>
-            <a:normAutofit fontScale="92500"/>
+            <a:normAutofit/>
           </a:bodyPr>
           <a:lstStyle/>
           <a:p>
@@ -6745,59 +6694,35 @@
             </a:pPr>
             <a:r>
               <a:rPr lang="ru-RU" dirty="0" smtClean="0"/>
-              <a:t>Объявление переменных в </a:t>
+              <a:t>	Многомерный массив – массив, каждый элемент которого представляет из себя ещё один массив. В математике используется для работы с матрицами.</a:t>
+            </a:r>
+            <a:endParaRPr lang="ru-RU" dirty="0"/>
+          </a:p>
+          <a:p>
+            <a:pPr>
+              <a:lnSpc>
+                <a:spcPct val="200000"/>
+              </a:lnSpc>
+            </a:pPr>
+            <a:r>
+              <a:rPr lang="ru-RU" dirty="0" smtClean="0"/>
+              <a:t>	Также, в массиве можно хранить и разнотипные данные. Например, информацию о пользователе можно представить в виде массива</a:t>
             </a:r>
             <a:r>
               <a:rPr lang="en-US" dirty="0" smtClean="0"/>
-              <a:t>JavaScript </a:t>
+              <a:t>, </a:t>
             </a:r>
             <a:r>
               <a:rPr lang="ru-RU" dirty="0" smtClean="0"/>
-              <a:t>создаётся при помощи таких конструкций как </a:t>
-            </a:r>
-            <a:r>
-              <a:rPr lang="en-US" dirty="0" smtClean="0"/>
-              <a:t>VAR </a:t>
-            </a:r>
-            <a:r>
-              <a:rPr lang="ru-RU" dirty="0" smtClean="0"/>
-              <a:t>и </a:t>
-            </a:r>
-            <a:r>
-              <a:rPr lang="en-US" dirty="0" smtClean="0"/>
-              <a:t>LET. </a:t>
-            </a:r>
-            <a:r>
-              <a:rPr lang="ru-RU" dirty="0" smtClean="0"/>
-              <a:t>В целом, обе конструкции играют одну и ту же роль, разница заключается в том, что </a:t>
-            </a:r>
-            <a:r>
-              <a:rPr lang="en-US" dirty="0" smtClean="0"/>
-              <a:t>LET </a:t>
-            </a:r>
-            <a:r>
-              <a:rPr lang="ru-RU" dirty="0" smtClean="0"/>
-              <a:t>используется для локального объявления переменной, а </a:t>
-            </a:r>
-            <a:r>
-              <a:rPr lang="en-US" dirty="0" smtClean="0"/>
-              <a:t>VAR </a:t>
-            </a:r>
-            <a:r>
-              <a:rPr lang="ru-RU" dirty="0" smtClean="0"/>
-              <a:t>можно использовать глобально. В простых случаях лучше использовать </a:t>
-            </a:r>
-            <a:r>
-              <a:rPr lang="en-US" dirty="0" smtClean="0"/>
-              <a:t>LET</a:t>
-            </a:r>
-            <a:endParaRPr lang="ru-RU" dirty="0"/>
+              <a:t>состоящего из строк  - ФИО, номера телефона и адреса.</a:t>
+            </a:r>
+            <a:endParaRPr lang="ru-RU" dirty="0" smtClean="0"/>
           </a:p>
         </p:txBody>
       </p:sp>
       <p:pic>
         <p:nvPicPr>
-          <p:cNvPr id="8" name="Рисунок 7"/>
+          <p:cNvPr id="3" name="Рисунок 2"/>
           <p:cNvPicPr>
             <a:picLocks noChangeAspect="1"/>
           </p:cNvPicPr>
@@ -6811,8 +6736,8 @@
         </p:blipFill>
         <p:spPr>
           <a:xfrm>
-            <a:off x="6247860" y="1520086"/>
-            <a:ext cx="5447619" cy="3372756"/>
+            <a:off x="6247860" y="2737863"/>
+            <a:ext cx="5710910" cy="2123695"/>
           </a:xfrm>
           <a:prstGeom prst="rect">
             <a:avLst/>
@@ -6871,11 +6796,7 @@
           <a:p>
             <a:r>
               <a:rPr lang="ru-RU" dirty="0" smtClean="0"/>
-              <a:t>Диалоговые окна </a:t>
-            </a:r>
-            <a:r>
-              <a:rPr lang="en-US" dirty="0" smtClean="0"/>
-              <a:t>JavaScript</a:t>
+              <a:t>Порядковый перебор массива</a:t>
             </a:r>
             <a:endParaRPr lang="ru-RU" dirty="0"/>
           </a:p>
@@ -6910,28 +6831,13 @@
             </a:pPr>
             <a:r>
               <a:rPr lang="ru-RU" dirty="0" smtClean="0"/>
-              <a:t>Есть три основных типа диалоговых окон в </a:t>
+              <a:t>Для того, чтобы организовать обработку элементов массива, часто требуется обратиться к нескольким элементам массива. Для такого обращения необходимо организовать цикл </a:t>
             </a:r>
             <a:r>
               <a:rPr lang="en-US" dirty="0" smtClean="0"/>
-              <a:t>JavaScript. </a:t>
-            </a:r>
-            <a:r>
-              <a:rPr lang="ru-RU" dirty="0" smtClean="0"/>
-              <a:t>Диалоговые окна для подтверждения действия, ввода значения и подтверждения действия с отменой.</a:t>
-            </a:r>
-            <a:r>
-              <a:rPr lang="en-US" dirty="0" smtClean="0"/>
-              <a:t> </a:t>
-            </a:r>
-            <a:r>
-              <a:rPr lang="ru-RU" dirty="0" smtClean="0"/>
-              <a:t>Пользовательские окна выводятся при помощи конструкции </a:t>
-            </a:r>
-            <a:r>
-              <a:rPr lang="en-US" dirty="0" smtClean="0"/>
-              <a:t>alert, confirm, prompt</a:t>
-            </a:r>
+              <a:t>FOR</a:t>
+            </a:r>
+            <a:endParaRPr lang="en-US" dirty="0" smtClean="0"/>
           </a:p>
         </p:txBody>
       </p:sp>
